--- a/Matching-App-Swift/Resource/AppIcon.pptx
+++ b/Matching-App-Swift/Resource/AppIcon.pptx
@@ -6,6 +6,7 @@
   </p:sldMasterIdLst>
   <p:sldIdLst>
     <p:sldId id="256" r:id="rId2"/>
+    <p:sldId id="257" r:id="rId3"/>
   </p:sldIdLst>
   <p:sldSz cx="12192000" cy="6858000"/>
   <p:notesSz cx="6858000" cy="9144000"/>
@@ -104,6 +105,11 @@
       </a:defRPr>
     </a:lvl9pPr>
   </p:defaultTextStyle>
+  <p:extLst>
+    <p:ext uri="{EFAFB233-063F-42B5-8137-9DF3F51BA10A}">
+      <p15:sldGuideLst xmlns:p15="http://schemas.microsoft.com/office/powerpoint/2012/main"/>
+    </p:ext>
+  </p:extLst>
 </p:presentation>
 </file>
 
@@ -254,7 +260,7 @@
           <a:p>
             <a:fld id="{01A9F134-D1CF-474C-BA9E-3B6F71D44E2D}" type="datetimeFigureOut">
               <a:rPr kumimoji="1" lang="ja-JP" altLang="en-US" smtClean="0"/>
-              <a:t>2019/10/5</a:t>
+              <a:t>2019/10/6</a:t>
             </a:fld>
             <a:endParaRPr kumimoji="1" lang="ja-JP" altLang="en-US"/>
           </a:p>
@@ -459,7 +465,7 @@
           <a:p>
             <a:fld id="{01A9F134-D1CF-474C-BA9E-3B6F71D44E2D}" type="datetimeFigureOut">
               <a:rPr kumimoji="1" lang="ja-JP" altLang="en-US" smtClean="0"/>
-              <a:t>2019/10/5</a:t>
+              <a:t>2019/10/6</a:t>
             </a:fld>
             <a:endParaRPr kumimoji="1" lang="ja-JP" altLang="en-US"/>
           </a:p>
@@ -674,7 +680,7 @@
           <a:p>
             <a:fld id="{01A9F134-D1CF-474C-BA9E-3B6F71D44E2D}" type="datetimeFigureOut">
               <a:rPr kumimoji="1" lang="ja-JP" altLang="en-US" smtClean="0"/>
-              <a:t>2019/10/5</a:t>
+              <a:t>2019/10/6</a:t>
             </a:fld>
             <a:endParaRPr kumimoji="1" lang="ja-JP" altLang="en-US"/>
           </a:p>
@@ -879,7 +885,7 @@
           <a:p>
             <a:fld id="{01A9F134-D1CF-474C-BA9E-3B6F71D44E2D}" type="datetimeFigureOut">
               <a:rPr kumimoji="1" lang="ja-JP" altLang="en-US" smtClean="0"/>
-              <a:t>2019/10/5</a:t>
+              <a:t>2019/10/6</a:t>
             </a:fld>
             <a:endParaRPr kumimoji="1" lang="ja-JP" altLang="en-US"/>
           </a:p>
@@ -1189,7 +1195,7 @@
           <a:p>
             <a:fld id="{01A9F134-D1CF-474C-BA9E-3B6F71D44E2D}" type="datetimeFigureOut">
               <a:rPr kumimoji="1" lang="ja-JP" altLang="en-US" smtClean="0"/>
-              <a:t>2019/10/5</a:t>
+              <a:t>2019/10/6</a:t>
             </a:fld>
             <a:endParaRPr kumimoji="1" lang="ja-JP" altLang="en-US"/>
           </a:p>
@@ -1468,7 +1474,7 @@
           <a:p>
             <a:fld id="{01A9F134-D1CF-474C-BA9E-3B6F71D44E2D}" type="datetimeFigureOut">
               <a:rPr kumimoji="1" lang="ja-JP" altLang="en-US" smtClean="0"/>
-              <a:t>2019/10/5</a:t>
+              <a:t>2019/10/6</a:t>
             </a:fld>
             <a:endParaRPr kumimoji="1" lang="ja-JP" altLang="en-US"/>
           </a:p>
@@ -1964,7 +1970,7 @@
           <a:p>
             <a:fld id="{01A9F134-D1CF-474C-BA9E-3B6F71D44E2D}" type="datetimeFigureOut">
               <a:rPr kumimoji="1" lang="ja-JP" altLang="en-US" smtClean="0"/>
-              <a:t>2019/10/5</a:t>
+              <a:t>2019/10/6</a:t>
             </a:fld>
             <a:endParaRPr kumimoji="1" lang="ja-JP" altLang="en-US"/>
           </a:p>
@@ -2105,7 +2111,7 @@
           <a:p>
             <a:fld id="{01A9F134-D1CF-474C-BA9E-3B6F71D44E2D}" type="datetimeFigureOut">
               <a:rPr kumimoji="1" lang="ja-JP" altLang="en-US" smtClean="0"/>
-              <a:t>2019/10/5</a:t>
+              <a:t>2019/10/6</a:t>
             </a:fld>
             <a:endParaRPr kumimoji="1" lang="ja-JP" altLang="en-US"/>
           </a:p>
@@ -2218,7 +2224,7 @@
           <a:p>
             <a:fld id="{01A9F134-D1CF-474C-BA9E-3B6F71D44E2D}" type="datetimeFigureOut">
               <a:rPr kumimoji="1" lang="ja-JP" altLang="en-US" smtClean="0"/>
-              <a:t>2019/10/5</a:t>
+              <a:t>2019/10/6</a:t>
             </a:fld>
             <a:endParaRPr kumimoji="1" lang="ja-JP" altLang="en-US"/>
           </a:p>
@@ -2571,7 +2577,7 @@
           <a:p>
             <a:fld id="{01A9F134-D1CF-474C-BA9E-3B6F71D44E2D}" type="datetimeFigureOut">
               <a:rPr kumimoji="1" lang="ja-JP" altLang="en-US" smtClean="0"/>
-              <a:t>2019/10/5</a:t>
+              <a:t>2019/10/6</a:t>
             </a:fld>
             <a:endParaRPr kumimoji="1" lang="ja-JP" altLang="en-US"/>
           </a:p>
@@ -2894,7 +2900,7 @@
           <a:p>
             <a:fld id="{01A9F134-D1CF-474C-BA9E-3B6F71D44E2D}" type="datetimeFigureOut">
               <a:rPr kumimoji="1" lang="ja-JP" altLang="en-US" smtClean="0"/>
-              <a:t>2019/10/5</a:t>
+              <a:t>2019/10/6</a:t>
             </a:fld>
             <a:endParaRPr kumimoji="1" lang="ja-JP" altLang="en-US"/>
           </a:p>
@@ -3142,7 +3148,7 @@
           <a:p>
             <a:fld id="{01A9F134-D1CF-474C-BA9E-3B6F71D44E2D}" type="datetimeFigureOut">
               <a:rPr kumimoji="1" lang="ja-JP" altLang="en-US" smtClean="0"/>
-              <a:t>2019/10/5</a:t>
+              <a:t>2019/10/6</a:t>
             </a:fld>
             <a:endParaRPr kumimoji="1" lang="ja-JP" altLang="en-US"/>
           </a:p>
@@ -3623,327 +3629,481 @@
           </a:p>
         </p:txBody>
       </p:sp>
-      <p:pic>
-        <p:nvPicPr>
-          <p:cNvPr id="5" name="コンテンツ プレースホルダー 5">
-            <a:extLst>
-              <a:ext uri="{FF2B5EF4-FFF2-40B4-BE49-F238E27FC236}">
-                <a16:creationId xmlns:a16="http://schemas.microsoft.com/office/drawing/2014/main" id="{4F24255D-5C35-2044-ADC1-CD19B0859405}"/>
-              </a:ext>
-            </a:extLst>
-          </p:cNvPr>
-          <p:cNvPicPr>
-            <a:picLocks noChangeAspect="1"/>
-          </p:cNvPicPr>
+      <p:grpSp>
+        <p:nvGrpSpPr>
+          <p:cNvPr id="2" name="グループ化 1">
+            <a:extLst>
+              <a:ext uri="{FF2B5EF4-FFF2-40B4-BE49-F238E27FC236}">
+                <a16:creationId xmlns:a16="http://schemas.microsoft.com/office/drawing/2014/main" id="{2FC67804-EC20-AB4F-96B1-69408B6BF634}"/>
+              </a:ext>
+            </a:extLst>
+          </p:cNvPr>
+          <p:cNvGrpSpPr/>
           <p:nvPr/>
-        </p:nvPicPr>
-        <p:blipFill rotWithShape="1">
-          <a:blip r:embed="rId2"/>
-          <a:srcRect b="18065"/>
-          <a:stretch/>
-        </p:blipFill>
-        <p:spPr>
+        </p:nvGrpSpPr>
+        <p:grpSpPr>
           <a:xfrm>
-            <a:off x="4362566" y="1881914"/>
-            <a:ext cx="3374570" cy="2764971"/>
+            <a:off x="4362566" y="1672914"/>
+            <a:ext cx="3374570" cy="2973971"/>
+            <a:chOff x="4362566" y="1672914"/>
+            <a:chExt cx="3374570" cy="2973971"/>
           </a:xfrm>
-          <a:prstGeom prst="rect">
-            <a:avLst/>
-          </a:prstGeom>
-        </p:spPr>
-      </p:pic>
-      <p:sp>
-        <p:nvSpPr>
-          <p:cNvPr id="6" name="フレーム (半分) 5">
-            <a:extLst>
-              <a:ext uri="{FF2B5EF4-FFF2-40B4-BE49-F238E27FC236}">
-                <a16:creationId xmlns:a16="http://schemas.microsoft.com/office/drawing/2014/main" id="{8EA71D5F-17F4-5649-A1FD-6FECC2B14861}"/>
-              </a:ext>
-            </a:extLst>
-          </p:cNvPr>
-          <p:cNvSpPr/>
-          <p:nvPr/>
-        </p:nvSpPr>
-        <p:spPr>
-          <a:xfrm rot="16200000">
-            <a:off x="4879392" y="3032795"/>
-            <a:ext cx="653163" cy="683117"/>
-          </a:xfrm>
-          <a:prstGeom prst="halfFrame">
-            <a:avLst>
-              <a:gd name="adj1" fmla="val 14827"/>
-              <a:gd name="adj2" fmla="val 17692"/>
-            </a:avLst>
-          </a:prstGeom>
-          <a:solidFill>
-            <a:schemeClr val="bg1"/>
-          </a:solidFill>
-          <a:ln>
-            <a:noFill/>
-          </a:ln>
-        </p:spPr>
-        <p:style>
-          <a:lnRef idx="2">
-            <a:schemeClr val="accent1">
-              <a:shade val="50000"/>
-            </a:schemeClr>
-          </a:lnRef>
-          <a:fillRef idx="1">
-            <a:schemeClr val="accent1"/>
-          </a:fillRef>
-          <a:effectRef idx="0">
-            <a:schemeClr val="accent1"/>
-          </a:effectRef>
-          <a:fontRef idx="minor">
-            <a:schemeClr val="lt1"/>
-          </a:fontRef>
-        </p:style>
-        <p:txBody>
-          <a:bodyPr rtlCol="0" anchor="ctr"/>
-          <a:lstStyle/>
-          <a:p>
-            <a:pPr algn="ctr"/>
-            <a:endParaRPr kumimoji="1" lang="ja-JP" altLang="en-US">
-              <a:solidFill>
-                <a:schemeClr val="tx1"/>
-              </a:solidFill>
-            </a:endParaRPr>
-          </a:p>
-        </p:txBody>
-      </p:sp>
-      <p:sp>
-        <p:nvSpPr>
-          <p:cNvPr id="7" name="フレーム (半分) 6">
-            <a:extLst>
-              <a:ext uri="{FF2B5EF4-FFF2-40B4-BE49-F238E27FC236}">
-                <a16:creationId xmlns:a16="http://schemas.microsoft.com/office/drawing/2014/main" id="{F69052C2-C366-FD48-B600-D2E01E71717A}"/>
-              </a:ext>
-            </a:extLst>
-          </p:cNvPr>
-          <p:cNvSpPr/>
-          <p:nvPr/>
-        </p:nvSpPr>
-        <p:spPr>
-          <a:xfrm rot="10800000">
-            <a:off x="6582515" y="3016988"/>
-            <a:ext cx="638294" cy="683947"/>
-          </a:xfrm>
-          <a:prstGeom prst="halfFrame">
-            <a:avLst>
-              <a:gd name="adj1" fmla="val 14827"/>
-              <a:gd name="adj2" fmla="val 17692"/>
-            </a:avLst>
-          </a:prstGeom>
-          <a:solidFill>
-            <a:schemeClr val="bg1"/>
-          </a:solidFill>
-          <a:ln>
-            <a:noFill/>
-          </a:ln>
-        </p:spPr>
-        <p:style>
-          <a:lnRef idx="2">
-            <a:schemeClr val="accent1">
-              <a:shade val="50000"/>
-            </a:schemeClr>
-          </a:lnRef>
-          <a:fillRef idx="1">
-            <a:schemeClr val="accent1"/>
-          </a:fillRef>
-          <a:effectRef idx="0">
-            <a:schemeClr val="accent1"/>
-          </a:effectRef>
-          <a:fontRef idx="minor">
-            <a:schemeClr val="lt1"/>
-          </a:fontRef>
-        </p:style>
-        <p:txBody>
-          <a:bodyPr rtlCol="0" anchor="ctr"/>
-          <a:lstStyle/>
-          <a:p>
-            <a:pPr algn="ctr"/>
-            <a:endParaRPr kumimoji="1" lang="ja-JP" altLang="en-US">
-              <a:solidFill>
-                <a:schemeClr val="tx1"/>
-              </a:solidFill>
-            </a:endParaRPr>
-          </a:p>
-        </p:txBody>
-      </p:sp>
-      <p:sp>
-        <p:nvSpPr>
-          <p:cNvPr id="8" name="フレーム (半分) 7">
-            <a:extLst>
-              <a:ext uri="{FF2B5EF4-FFF2-40B4-BE49-F238E27FC236}">
-                <a16:creationId xmlns:a16="http://schemas.microsoft.com/office/drawing/2014/main" id="{6AD79CAA-BB40-824E-BB71-FA221260A0E8}"/>
-              </a:ext>
-            </a:extLst>
-          </p:cNvPr>
-          <p:cNvSpPr/>
-          <p:nvPr/>
-        </p:nvSpPr>
-        <p:spPr>
-          <a:xfrm>
-            <a:off x="4864415" y="1672914"/>
-            <a:ext cx="653163" cy="683117"/>
-          </a:xfrm>
-          <a:prstGeom prst="halfFrame">
-            <a:avLst>
-              <a:gd name="adj1" fmla="val 14827"/>
-              <a:gd name="adj2" fmla="val 17692"/>
-            </a:avLst>
-          </a:prstGeom>
-          <a:solidFill>
-            <a:schemeClr val="bg1"/>
-          </a:solidFill>
-          <a:ln>
-            <a:noFill/>
-          </a:ln>
-        </p:spPr>
-        <p:style>
-          <a:lnRef idx="2">
-            <a:schemeClr val="accent1">
-              <a:shade val="50000"/>
-            </a:schemeClr>
-          </a:lnRef>
-          <a:fillRef idx="1">
-            <a:schemeClr val="accent1"/>
-          </a:fillRef>
-          <a:effectRef idx="0">
-            <a:schemeClr val="accent1"/>
-          </a:effectRef>
-          <a:fontRef idx="minor">
-            <a:schemeClr val="lt1"/>
-          </a:fontRef>
-        </p:style>
-        <p:txBody>
-          <a:bodyPr rtlCol="0" anchor="ctr"/>
-          <a:lstStyle/>
-          <a:p>
-            <a:pPr algn="ctr"/>
-            <a:endParaRPr kumimoji="1" lang="ja-JP" altLang="en-US">
-              <a:solidFill>
-                <a:schemeClr val="tx1"/>
-              </a:solidFill>
-            </a:endParaRPr>
-          </a:p>
-        </p:txBody>
-      </p:sp>
-      <p:sp>
-        <p:nvSpPr>
-          <p:cNvPr id="9" name="フレーム (半分) 8">
-            <a:extLst>
-              <a:ext uri="{FF2B5EF4-FFF2-40B4-BE49-F238E27FC236}">
-                <a16:creationId xmlns:a16="http://schemas.microsoft.com/office/drawing/2014/main" id="{CB525897-395B-DD42-9106-ABBFEEA821A2}"/>
-              </a:ext>
-            </a:extLst>
-          </p:cNvPr>
-          <p:cNvSpPr/>
-          <p:nvPr/>
-        </p:nvSpPr>
-        <p:spPr>
-          <a:xfrm rot="5400000">
-            <a:off x="6554912" y="1650088"/>
-            <a:ext cx="638294" cy="683947"/>
-          </a:xfrm>
-          <a:prstGeom prst="halfFrame">
-            <a:avLst>
-              <a:gd name="adj1" fmla="val 14827"/>
-              <a:gd name="adj2" fmla="val 17692"/>
-            </a:avLst>
-          </a:prstGeom>
-          <a:solidFill>
-            <a:schemeClr val="bg1"/>
-          </a:solidFill>
-          <a:ln>
-            <a:noFill/>
-          </a:ln>
-        </p:spPr>
-        <p:style>
-          <a:lnRef idx="2">
-            <a:schemeClr val="accent1">
-              <a:shade val="50000"/>
-            </a:schemeClr>
-          </a:lnRef>
-          <a:fillRef idx="1">
-            <a:schemeClr val="accent1"/>
-          </a:fillRef>
-          <a:effectRef idx="0">
-            <a:schemeClr val="accent1"/>
-          </a:effectRef>
-          <a:fontRef idx="minor">
-            <a:schemeClr val="lt1"/>
-          </a:fontRef>
-        </p:style>
-        <p:txBody>
-          <a:bodyPr rtlCol="0" anchor="ctr"/>
-          <a:lstStyle/>
-          <a:p>
-            <a:pPr algn="ctr"/>
-            <a:endParaRPr kumimoji="1" lang="ja-JP" altLang="en-US">
-              <a:solidFill>
-                <a:schemeClr val="tx1"/>
-              </a:solidFill>
-            </a:endParaRPr>
-          </a:p>
-        </p:txBody>
-      </p:sp>
-      <p:sp>
-        <p:nvSpPr>
-          <p:cNvPr id="10" name="ハート 9">
-            <a:extLst>
-              <a:ext uri="{FF2B5EF4-FFF2-40B4-BE49-F238E27FC236}">
-                <a16:creationId xmlns:a16="http://schemas.microsoft.com/office/drawing/2014/main" id="{AAA7CD45-2A72-8341-A4C3-C74FD216A236}"/>
-              </a:ext>
-            </a:extLst>
-          </p:cNvPr>
-          <p:cNvSpPr/>
-          <p:nvPr/>
-        </p:nvSpPr>
-        <p:spPr>
-          <a:xfrm>
-            <a:off x="5677103" y="2485007"/>
-            <a:ext cx="744555" cy="562765"/>
-          </a:xfrm>
-          <a:prstGeom prst="heart">
-            <a:avLst/>
-          </a:prstGeom>
-          <a:solidFill>
-            <a:srgbClr val="FF80A9"/>
-          </a:solidFill>
-          <a:ln>
-            <a:noFill/>
-          </a:ln>
-        </p:spPr>
-        <p:style>
-          <a:lnRef idx="2">
-            <a:schemeClr val="accent1">
-              <a:shade val="50000"/>
-            </a:schemeClr>
-          </a:lnRef>
-          <a:fillRef idx="1">
-            <a:schemeClr val="accent1"/>
-          </a:fillRef>
-          <a:effectRef idx="0">
-            <a:schemeClr val="accent1"/>
-          </a:effectRef>
-          <a:fontRef idx="minor">
-            <a:schemeClr val="lt1"/>
-          </a:fontRef>
-        </p:style>
-        <p:txBody>
-          <a:bodyPr rtlCol="0" anchor="ctr"/>
-          <a:lstStyle/>
-          <a:p>
-            <a:pPr algn="ctr"/>
-            <a:endParaRPr kumimoji="1" lang="ja-JP" altLang="en-US"/>
-          </a:p>
-        </p:txBody>
-      </p:sp>
+        </p:grpSpPr>
+        <p:pic>
+          <p:nvPicPr>
+            <p:cNvPr id="5" name="コンテンツ プレースホルダー 5">
+              <a:extLst>
+                <a:ext uri="{FF2B5EF4-FFF2-40B4-BE49-F238E27FC236}">
+                  <a16:creationId xmlns:a16="http://schemas.microsoft.com/office/drawing/2014/main" id="{4F24255D-5C35-2044-ADC1-CD19B0859405}"/>
+                </a:ext>
+              </a:extLst>
+            </p:cNvPr>
+            <p:cNvPicPr>
+              <a:picLocks noChangeAspect="1"/>
+            </p:cNvPicPr>
+            <p:nvPr/>
+          </p:nvPicPr>
+          <p:blipFill rotWithShape="1">
+            <a:blip r:embed="rId2"/>
+            <a:srcRect b="18065"/>
+            <a:stretch/>
+          </p:blipFill>
+          <p:spPr>
+            <a:xfrm>
+              <a:off x="4362566" y="1881914"/>
+              <a:ext cx="3374570" cy="2764971"/>
+            </a:xfrm>
+            <a:prstGeom prst="rect">
+              <a:avLst/>
+            </a:prstGeom>
+          </p:spPr>
+        </p:pic>
+        <p:sp>
+          <p:nvSpPr>
+            <p:cNvPr id="6" name="フレーム (半分) 5">
+              <a:extLst>
+                <a:ext uri="{FF2B5EF4-FFF2-40B4-BE49-F238E27FC236}">
+                  <a16:creationId xmlns:a16="http://schemas.microsoft.com/office/drawing/2014/main" id="{8EA71D5F-17F4-5649-A1FD-6FECC2B14861}"/>
+                </a:ext>
+              </a:extLst>
+            </p:cNvPr>
+            <p:cNvSpPr/>
+            <p:nvPr/>
+          </p:nvSpPr>
+          <p:spPr>
+            <a:xfrm rot="16200000">
+              <a:off x="4879392" y="3032795"/>
+              <a:ext cx="653163" cy="683117"/>
+            </a:xfrm>
+            <a:prstGeom prst="halfFrame">
+              <a:avLst>
+                <a:gd name="adj1" fmla="val 14827"/>
+                <a:gd name="adj2" fmla="val 17692"/>
+              </a:avLst>
+            </a:prstGeom>
+            <a:solidFill>
+              <a:schemeClr val="bg1"/>
+            </a:solidFill>
+            <a:ln>
+              <a:noFill/>
+            </a:ln>
+          </p:spPr>
+          <p:style>
+            <a:lnRef idx="2">
+              <a:schemeClr val="accent1">
+                <a:shade val="50000"/>
+              </a:schemeClr>
+            </a:lnRef>
+            <a:fillRef idx="1">
+              <a:schemeClr val="accent1"/>
+            </a:fillRef>
+            <a:effectRef idx="0">
+              <a:schemeClr val="accent1"/>
+            </a:effectRef>
+            <a:fontRef idx="minor">
+              <a:schemeClr val="lt1"/>
+            </a:fontRef>
+          </p:style>
+          <p:txBody>
+            <a:bodyPr rtlCol="0" anchor="ctr"/>
+            <a:lstStyle/>
+            <a:p>
+              <a:pPr algn="ctr"/>
+              <a:endParaRPr kumimoji="1" lang="ja-JP" altLang="en-US">
+                <a:solidFill>
+                  <a:schemeClr val="tx1"/>
+                </a:solidFill>
+              </a:endParaRPr>
+            </a:p>
+          </p:txBody>
+        </p:sp>
+        <p:sp>
+          <p:nvSpPr>
+            <p:cNvPr id="7" name="フレーム (半分) 6">
+              <a:extLst>
+                <a:ext uri="{FF2B5EF4-FFF2-40B4-BE49-F238E27FC236}">
+                  <a16:creationId xmlns:a16="http://schemas.microsoft.com/office/drawing/2014/main" id="{F69052C2-C366-FD48-B600-D2E01E71717A}"/>
+                </a:ext>
+              </a:extLst>
+            </p:cNvPr>
+            <p:cNvSpPr/>
+            <p:nvPr/>
+          </p:nvSpPr>
+          <p:spPr>
+            <a:xfrm rot="10800000">
+              <a:off x="6582515" y="3016988"/>
+              <a:ext cx="638294" cy="683947"/>
+            </a:xfrm>
+            <a:prstGeom prst="halfFrame">
+              <a:avLst>
+                <a:gd name="adj1" fmla="val 14827"/>
+                <a:gd name="adj2" fmla="val 17692"/>
+              </a:avLst>
+            </a:prstGeom>
+            <a:solidFill>
+              <a:schemeClr val="bg1"/>
+            </a:solidFill>
+            <a:ln>
+              <a:noFill/>
+            </a:ln>
+          </p:spPr>
+          <p:style>
+            <a:lnRef idx="2">
+              <a:schemeClr val="accent1">
+                <a:shade val="50000"/>
+              </a:schemeClr>
+            </a:lnRef>
+            <a:fillRef idx="1">
+              <a:schemeClr val="accent1"/>
+            </a:fillRef>
+            <a:effectRef idx="0">
+              <a:schemeClr val="accent1"/>
+            </a:effectRef>
+            <a:fontRef idx="minor">
+              <a:schemeClr val="lt1"/>
+            </a:fontRef>
+          </p:style>
+          <p:txBody>
+            <a:bodyPr rtlCol="0" anchor="ctr"/>
+            <a:lstStyle/>
+            <a:p>
+              <a:pPr algn="ctr"/>
+              <a:endParaRPr kumimoji="1" lang="ja-JP" altLang="en-US">
+                <a:solidFill>
+                  <a:schemeClr val="tx1"/>
+                </a:solidFill>
+              </a:endParaRPr>
+            </a:p>
+          </p:txBody>
+        </p:sp>
+        <p:sp>
+          <p:nvSpPr>
+            <p:cNvPr id="8" name="フレーム (半分) 7">
+              <a:extLst>
+                <a:ext uri="{FF2B5EF4-FFF2-40B4-BE49-F238E27FC236}">
+                  <a16:creationId xmlns:a16="http://schemas.microsoft.com/office/drawing/2014/main" id="{6AD79CAA-BB40-824E-BB71-FA221260A0E8}"/>
+                </a:ext>
+              </a:extLst>
+            </p:cNvPr>
+            <p:cNvSpPr/>
+            <p:nvPr/>
+          </p:nvSpPr>
+          <p:spPr>
+            <a:xfrm>
+              <a:off x="4864415" y="1672914"/>
+              <a:ext cx="653163" cy="683117"/>
+            </a:xfrm>
+            <a:prstGeom prst="halfFrame">
+              <a:avLst>
+                <a:gd name="adj1" fmla="val 14827"/>
+                <a:gd name="adj2" fmla="val 17692"/>
+              </a:avLst>
+            </a:prstGeom>
+            <a:solidFill>
+              <a:schemeClr val="bg1"/>
+            </a:solidFill>
+            <a:ln>
+              <a:noFill/>
+            </a:ln>
+          </p:spPr>
+          <p:style>
+            <a:lnRef idx="2">
+              <a:schemeClr val="accent1">
+                <a:shade val="50000"/>
+              </a:schemeClr>
+            </a:lnRef>
+            <a:fillRef idx="1">
+              <a:schemeClr val="accent1"/>
+            </a:fillRef>
+            <a:effectRef idx="0">
+              <a:schemeClr val="accent1"/>
+            </a:effectRef>
+            <a:fontRef idx="minor">
+              <a:schemeClr val="lt1"/>
+            </a:fontRef>
+          </p:style>
+          <p:txBody>
+            <a:bodyPr rtlCol="0" anchor="ctr"/>
+            <a:lstStyle/>
+            <a:p>
+              <a:pPr algn="ctr"/>
+              <a:endParaRPr kumimoji="1" lang="ja-JP" altLang="en-US">
+                <a:solidFill>
+                  <a:schemeClr val="tx1"/>
+                </a:solidFill>
+              </a:endParaRPr>
+            </a:p>
+          </p:txBody>
+        </p:sp>
+        <p:sp>
+          <p:nvSpPr>
+            <p:cNvPr id="9" name="フレーム (半分) 8">
+              <a:extLst>
+                <a:ext uri="{FF2B5EF4-FFF2-40B4-BE49-F238E27FC236}">
+                  <a16:creationId xmlns:a16="http://schemas.microsoft.com/office/drawing/2014/main" id="{CB525897-395B-DD42-9106-ABBFEEA821A2}"/>
+                </a:ext>
+              </a:extLst>
+            </p:cNvPr>
+            <p:cNvSpPr/>
+            <p:nvPr/>
+          </p:nvSpPr>
+          <p:spPr>
+            <a:xfrm rot="5400000">
+              <a:off x="6554912" y="1650088"/>
+              <a:ext cx="638294" cy="683947"/>
+            </a:xfrm>
+            <a:prstGeom prst="halfFrame">
+              <a:avLst>
+                <a:gd name="adj1" fmla="val 14827"/>
+                <a:gd name="adj2" fmla="val 17692"/>
+              </a:avLst>
+            </a:prstGeom>
+            <a:solidFill>
+              <a:schemeClr val="bg1"/>
+            </a:solidFill>
+            <a:ln>
+              <a:noFill/>
+            </a:ln>
+          </p:spPr>
+          <p:style>
+            <a:lnRef idx="2">
+              <a:schemeClr val="accent1">
+                <a:shade val="50000"/>
+              </a:schemeClr>
+            </a:lnRef>
+            <a:fillRef idx="1">
+              <a:schemeClr val="accent1"/>
+            </a:fillRef>
+            <a:effectRef idx="0">
+              <a:schemeClr val="accent1"/>
+            </a:effectRef>
+            <a:fontRef idx="minor">
+              <a:schemeClr val="lt1"/>
+            </a:fontRef>
+          </p:style>
+          <p:txBody>
+            <a:bodyPr rtlCol="0" anchor="ctr"/>
+            <a:lstStyle/>
+            <a:p>
+              <a:pPr algn="ctr"/>
+              <a:endParaRPr kumimoji="1" lang="ja-JP" altLang="en-US">
+                <a:solidFill>
+                  <a:schemeClr val="tx1"/>
+                </a:solidFill>
+              </a:endParaRPr>
+            </a:p>
+          </p:txBody>
+        </p:sp>
+        <p:sp>
+          <p:nvSpPr>
+            <p:cNvPr id="10" name="ハート 9">
+              <a:extLst>
+                <a:ext uri="{FF2B5EF4-FFF2-40B4-BE49-F238E27FC236}">
+                  <a16:creationId xmlns:a16="http://schemas.microsoft.com/office/drawing/2014/main" id="{AAA7CD45-2A72-8341-A4C3-C74FD216A236}"/>
+                </a:ext>
+              </a:extLst>
+            </p:cNvPr>
+            <p:cNvSpPr/>
+            <p:nvPr/>
+          </p:nvSpPr>
+          <p:spPr>
+            <a:xfrm>
+              <a:off x="5677103" y="2485007"/>
+              <a:ext cx="744555" cy="562765"/>
+            </a:xfrm>
+            <a:prstGeom prst="heart">
+              <a:avLst/>
+            </a:prstGeom>
+            <a:solidFill>
+              <a:srgbClr val="FF80A9"/>
+            </a:solidFill>
+            <a:ln>
+              <a:noFill/>
+            </a:ln>
+          </p:spPr>
+          <p:style>
+            <a:lnRef idx="2">
+              <a:schemeClr val="accent1">
+                <a:shade val="50000"/>
+              </a:schemeClr>
+            </a:lnRef>
+            <a:fillRef idx="1">
+              <a:schemeClr val="accent1"/>
+            </a:fillRef>
+            <a:effectRef idx="0">
+              <a:schemeClr val="accent1"/>
+            </a:effectRef>
+            <a:fontRef idx="minor">
+              <a:schemeClr val="lt1"/>
+            </a:fontRef>
+          </p:style>
+          <p:txBody>
+            <a:bodyPr rtlCol="0" anchor="ctr"/>
+            <a:lstStyle/>
+            <a:p>
+              <a:pPr algn="ctr"/>
+              <a:endParaRPr kumimoji="1" lang="ja-JP" altLang="en-US"/>
+            </a:p>
+          </p:txBody>
+        </p:sp>
+      </p:grpSp>
     </p:spTree>
     <p:extLst>
       <p:ext uri="{BB962C8B-B14F-4D97-AF65-F5344CB8AC3E}">
         <p14:creationId xmlns:p14="http://schemas.microsoft.com/office/powerpoint/2010/main" val="1206751373"/>
+      </p:ext>
+    </p:extLst>
+  </p:cSld>
+  <p:clrMapOvr>
+    <a:masterClrMapping/>
+  </p:clrMapOvr>
+</p:sld>
+</file>
+
+<file path=ppt/slides/slide2.xml><?xml version="1.0" encoding="utf-8"?>
+<p:sld xmlns:a="http://schemas.openxmlformats.org/drawingml/2006/main" xmlns:r="http://schemas.openxmlformats.org/officeDocument/2006/relationships" xmlns:p="http://schemas.openxmlformats.org/presentationml/2006/main">
+  <p:cSld>
+    <p:spTree>
+      <p:nvGrpSpPr>
+        <p:cNvPr id="1" name=""/>
+        <p:cNvGrpSpPr/>
+        <p:nvPr/>
+      </p:nvGrpSpPr>
+      <p:grpSpPr>
+        <a:xfrm>
+          <a:off x="0" y="0"/>
+          <a:ext cx="0" cy="0"/>
+          <a:chOff x="0" y="0"/>
+          <a:chExt cx="0" cy="0"/>
+        </a:xfrm>
+      </p:grpSpPr>
+      <p:grpSp>
+        <p:nvGrpSpPr>
+          <p:cNvPr id="13" name="グループ化 12">
+            <a:extLst>
+              <a:ext uri="{FF2B5EF4-FFF2-40B4-BE49-F238E27FC236}">
+                <a16:creationId xmlns:a16="http://schemas.microsoft.com/office/drawing/2014/main" id="{4F7F6D74-A004-A34D-8817-94D3D8D4F1B5}"/>
+              </a:ext>
+            </a:extLst>
+          </p:cNvPr>
+          <p:cNvGrpSpPr/>
+          <p:nvPr/>
+        </p:nvGrpSpPr>
+        <p:grpSpPr>
+          <a:xfrm>
+            <a:off x="2870200" y="228600"/>
+            <a:ext cx="5461000" cy="5461000"/>
+            <a:chOff x="-3784600" y="203200"/>
+            <a:chExt cx="5461000" cy="5461000"/>
+          </a:xfrm>
+        </p:grpSpPr>
+        <p:sp>
+          <p:nvSpPr>
+            <p:cNvPr id="12" name="円/楕円 11">
+              <a:extLst>
+                <a:ext uri="{FF2B5EF4-FFF2-40B4-BE49-F238E27FC236}">
+                  <a16:creationId xmlns:a16="http://schemas.microsoft.com/office/drawing/2014/main" id="{5BF0718C-129B-5C41-A82D-F76AB5BFE817}"/>
+                </a:ext>
+              </a:extLst>
+            </p:cNvPr>
+            <p:cNvSpPr/>
+            <p:nvPr/>
+          </p:nvSpPr>
+          <p:spPr>
+            <a:xfrm>
+              <a:off x="-3784600" y="203200"/>
+              <a:ext cx="5461000" cy="5461000"/>
+            </a:xfrm>
+            <a:prstGeom prst="ellipse">
+              <a:avLst/>
+            </a:prstGeom>
+            <a:solidFill>
+              <a:srgbClr val="00B0F0"/>
+            </a:solidFill>
+            <a:ln>
+              <a:noFill/>
+            </a:ln>
+          </p:spPr>
+          <p:style>
+            <a:lnRef idx="2">
+              <a:schemeClr val="accent1">
+                <a:shade val="50000"/>
+              </a:schemeClr>
+            </a:lnRef>
+            <a:fillRef idx="1">
+              <a:schemeClr val="accent1"/>
+            </a:fillRef>
+            <a:effectRef idx="0">
+              <a:schemeClr val="accent1"/>
+            </a:effectRef>
+            <a:fontRef idx="minor">
+              <a:schemeClr val="lt1"/>
+            </a:fontRef>
+          </p:style>
+          <p:txBody>
+            <a:bodyPr rtlCol="0" anchor="ctr"/>
+            <a:lstStyle/>
+            <a:p>
+              <a:pPr algn="ctr"/>
+              <a:endParaRPr kumimoji="1" lang="ja-JP" altLang="en-US"/>
+            </a:p>
+          </p:txBody>
+        </p:sp>
+        <p:pic>
+          <p:nvPicPr>
+            <p:cNvPr id="11" name="図 10">
+              <a:extLst>
+                <a:ext uri="{FF2B5EF4-FFF2-40B4-BE49-F238E27FC236}">
+                  <a16:creationId xmlns:a16="http://schemas.microsoft.com/office/drawing/2014/main" id="{9F7AB24C-8DDB-BA4B-BD81-2F32A4CA7106}"/>
+                </a:ext>
+              </a:extLst>
+            </p:cNvPr>
+            <p:cNvPicPr>
+              <a:picLocks noChangeAspect="1"/>
+            </p:cNvPicPr>
+            <p:nvPr/>
+          </p:nvPicPr>
+          <p:blipFill>
+            <a:blip r:embed="rId2"/>
+            <a:stretch>
+              <a:fillRect/>
+            </a:stretch>
+          </p:blipFill>
+          <p:spPr>
+            <a:xfrm>
+              <a:off x="-2501900" y="1130300"/>
+              <a:ext cx="3251200" cy="3251200"/>
+            </a:xfrm>
+            <a:prstGeom prst="rect">
+              <a:avLst/>
+            </a:prstGeom>
+          </p:spPr>
+        </p:pic>
+      </p:grpSp>
+    </p:spTree>
+    <p:extLst>
+      <p:ext uri="{BB962C8B-B14F-4D97-AF65-F5344CB8AC3E}">
+        <p14:creationId xmlns:p14="http://schemas.microsoft.com/office/powerpoint/2010/main" val="211642622"/>
       </p:ext>
     </p:extLst>
   </p:cSld>
